--- a/PPT/identity_and_access_management.pptx
+++ b/PPT/identity_and_access_management.pptx
@@ -6,7 +6,8 @@
   </p:sldMasterIdLst>
   <p:sldIdLst>
     <p:sldId id="256" r:id="rId2"/>
-    <p:sldId id="257" r:id="rId3"/>
+    <p:sldId id="258" r:id="rId3"/>
+    <p:sldId id="257" r:id="rId4"/>
   </p:sldIdLst>
   <p:sldSz cx="12192000" cy="6858000"/>
   <p:notesSz cx="6858000" cy="9144000"/>
@@ -105,6 +106,11 @@
       </a:defRPr>
     </a:lvl9pPr>
   </p:defaultTextStyle>
+  <p:extLst>
+    <p:ext uri="{EFAFB233-063F-42B5-8137-9DF3F51BA10A}">
+      <p15:sldGuideLst xmlns:p15="http://schemas.microsoft.com/office/powerpoint/2012/main"/>
+    </p:ext>
+  </p:extLst>
 </p:presentation>
 </file>
 
@@ -257,7 +263,7 @@
           <a:p>
             <a:fld id="{7169126B-25BB-453C-88C4-9A149A838A69}" type="datetimeFigureOut">
               <a:rPr lang="en-IN" smtClean="0"/>
-              <a:t>14-08-2024</a:t>
+              <a:t>24-08-2024</a:t>
             </a:fld>
             <a:endParaRPr lang="en-IN"/>
           </a:p>
@@ -457,7 +463,7 @@
           <a:p>
             <a:fld id="{7169126B-25BB-453C-88C4-9A149A838A69}" type="datetimeFigureOut">
               <a:rPr lang="en-IN" smtClean="0"/>
-              <a:t>14-08-2024</a:t>
+              <a:t>24-08-2024</a:t>
             </a:fld>
             <a:endParaRPr lang="en-IN"/>
           </a:p>
@@ -667,7 +673,7 @@
           <a:p>
             <a:fld id="{7169126B-25BB-453C-88C4-9A149A838A69}" type="datetimeFigureOut">
               <a:rPr lang="en-IN" smtClean="0"/>
-              <a:t>14-08-2024</a:t>
+              <a:t>24-08-2024</a:t>
             </a:fld>
             <a:endParaRPr lang="en-IN"/>
           </a:p>
@@ -867,7 +873,7 @@
           <a:p>
             <a:fld id="{7169126B-25BB-453C-88C4-9A149A838A69}" type="datetimeFigureOut">
               <a:rPr lang="en-IN" smtClean="0"/>
-              <a:t>14-08-2024</a:t>
+              <a:t>24-08-2024</a:t>
             </a:fld>
             <a:endParaRPr lang="en-IN"/>
           </a:p>
@@ -1143,7 +1149,7 @@
           <a:p>
             <a:fld id="{7169126B-25BB-453C-88C4-9A149A838A69}" type="datetimeFigureOut">
               <a:rPr lang="en-IN" smtClean="0"/>
-              <a:t>14-08-2024</a:t>
+              <a:t>24-08-2024</a:t>
             </a:fld>
             <a:endParaRPr lang="en-IN"/>
           </a:p>
@@ -1411,7 +1417,7 @@
           <a:p>
             <a:fld id="{7169126B-25BB-453C-88C4-9A149A838A69}" type="datetimeFigureOut">
               <a:rPr lang="en-IN" smtClean="0"/>
-              <a:t>14-08-2024</a:t>
+              <a:t>24-08-2024</a:t>
             </a:fld>
             <a:endParaRPr lang="en-IN"/>
           </a:p>
@@ -1826,7 +1832,7 @@
           <a:p>
             <a:fld id="{7169126B-25BB-453C-88C4-9A149A838A69}" type="datetimeFigureOut">
               <a:rPr lang="en-IN" smtClean="0"/>
-              <a:t>14-08-2024</a:t>
+              <a:t>24-08-2024</a:t>
             </a:fld>
             <a:endParaRPr lang="en-IN"/>
           </a:p>
@@ -1968,7 +1974,7 @@
           <a:p>
             <a:fld id="{7169126B-25BB-453C-88C4-9A149A838A69}" type="datetimeFigureOut">
               <a:rPr lang="en-IN" smtClean="0"/>
-              <a:t>14-08-2024</a:t>
+              <a:t>24-08-2024</a:t>
             </a:fld>
             <a:endParaRPr lang="en-IN"/>
           </a:p>
@@ -2081,7 +2087,7 @@
           <a:p>
             <a:fld id="{7169126B-25BB-453C-88C4-9A149A838A69}" type="datetimeFigureOut">
               <a:rPr lang="en-IN" smtClean="0"/>
-              <a:t>14-08-2024</a:t>
+              <a:t>24-08-2024</a:t>
             </a:fld>
             <a:endParaRPr lang="en-IN"/>
           </a:p>
@@ -2394,7 +2400,7 @@
           <a:p>
             <a:fld id="{7169126B-25BB-453C-88C4-9A149A838A69}" type="datetimeFigureOut">
               <a:rPr lang="en-IN" smtClean="0"/>
-              <a:t>14-08-2024</a:t>
+              <a:t>24-08-2024</a:t>
             </a:fld>
             <a:endParaRPr lang="en-IN"/>
           </a:p>
@@ -2683,7 +2689,7 @@
           <a:p>
             <a:fld id="{7169126B-25BB-453C-88C4-9A149A838A69}" type="datetimeFigureOut">
               <a:rPr lang="en-IN" smtClean="0"/>
-              <a:t>14-08-2024</a:t>
+              <a:t>24-08-2024</a:t>
             </a:fld>
             <a:endParaRPr lang="en-IN"/>
           </a:p>
@@ -2926,7 +2932,7 @@
           <a:p>
             <a:fld id="{7169126B-25BB-453C-88C4-9A149A838A69}" type="datetimeFigureOut">
               <a:rPr lang="en-IN" smtClean="0"/>
-              <a:t>14-08-2024</a:t>
+              <a:t>24-08-2024</a:t>
             </a:fld>
             <a:endParaRPr lang="en-IN"/>
           </a:p>
@@ -3626,7 +3632,7 @@
                   <a:schemeClr val="bg2"/>
                 </a:solidFill>
               </a:rPr>
-              <a:t>Identity And Access Management</a:t>
+              <a:t>Identity Federation</a:t>
             </a:r>
           </a:p>
         </p:txBody>
@@ -3680,6 +3686,99 @@
 </file>
 
 <file path=ppt/slides/slide2.xml><?xml version="1.0" encoding="utf-8"?>
+<p:sld xmlns:a="http://schemas.openxmlformats.org/drawingml/2006/main" xmlns:r="http://schemas.openxmlformats.org/officeDocument/2006/relationships" xmlns:p="http://schemas.openxmlformats.org/presentationml/2006/main">
+  <p:cSld>
+    <p:spTree>
+      <p:nvGrpSpPr>
+        <p:cNvPr id="1" name=""/>
+        <p:cNvGrpSpPr/>
+        <p:nvPr/>
+      </p:nvGrpSpPr>
+      <p:grpSpPr>
+        <a:xfrm>
+          <a:off x="0" y="0"/>
+          <a:ext cx="0" cy="0"/>
+          <a:chOff x="0" y="0"/>
+          <a:chExt cx="0" cy="0"/>
+        </a:xfrm>
+      </p:grpSpPr>
+      <p:sp>
+        <p:nvSpPr>
+          <p:cNvPr id="2" name="Title 1">
+            <a:extLst>
+              <a:ext uri="{FF2B5EF4-FFF2-40B4-BE49-F238E27FC236}">
+                <a16:creationId xmlns:a16="http://schemas.microsoft.com/office/drawing/2014/main" id="{AC3B121D-A110-786C-84F3-9BFB1F42A532}"/>
+              </a:ext>
+            </a:extLst>
+          </p:cNvPr>
+          <p:cNvSpPr>
+            <a:spLocks noGrp="1"/>
+          </p:cNvSpPr>
+          <p:nvPr>
+            <p:ph type="title"/>
+          </p:nvPr>
+        </p:nvSpPr>
+        <p:spPr/>
+        <p:txBody>
+          <a:bodyPr/>
+          <a:lstStyle/>
+          <a:p>
+            <a:r>
+              <a:rPr lang="en-IN" dirty="0"/>
+              <a:t>Contents</a:t>
+            </a:r>
+          </a:p>
+        </p:txBody>
+      </p:sp>
+      <p:sp>
+        <p:nvSpPr>
+          <p:cNvPr id="3" name="Content Placeholder 2">
+            <a:extLst>
+              <a:ext uri="{FF2B5EF4-FFF2-40B4-BE49-F238E27FC236}">
+                <a16:creationId xmlns:a16="http://schemas.microsoft.com/office/drawing/2014/main" id="{6202A538-8FCA-7C9E-156C-8DD6CCB1BFC2}"/>
+              </a:ext>
+            </a:extLst>
+          </p:cNvPr>
+          <p:cNvSpPr>
+            <a:spLocks noGrp="1"/>
+          </p:cNvSpPr>
+          <p:nvPr>
+            <p:ph idx="1"/>
+          </p:nvPr>
+        </p:nvSpPr>
+        <p:spPr/>
+        <p:txBody>
+          <a:bodyPr/>
+          <a:lstStyle/>
+          <a:p>
+            <a:r>
+              <a:rPr lang="en-IN" dirty="0"/>
+              <a:t>A Brief History</a:t>
+            </a:r>
+          </a:p>
+          <a:p>
+            <a:r>
+              <a:rPr lang="en-IN"/>
+              <a:t>Why Federation needed</a:t>
+            </a:r>
+            <a:endParaRPr lang="en-IN" dirty="0"/>
+          </a:p>
+        </p:txBody>
+      </p:sp>
+    </p:spTree>
+    <p:extLst>
+      <p:ext uri="{BB962C8B-B14F-4D97-AF65-F5344CB8AC3E}">
+        <p14:creationId xmlns:p14="http://schemas.microsoft.com/office/powerpoint/2010/main" val="2590285320"/>
+      </p:ext>
+    </p:extLst>
+  </p:cSld>
+  <p:clrMapOvr>
+    <a:masterClrMapping/>
+  </p:clrMapOvr>
+</p:sld>
+</file>
+
+<file path=ppt/slides/slide3.xml><?xml version="1.0" encoding="utf-8"?>
 <p:sld xmlns:a="http://schemas.openxmlformats.org/drawingml/2006/main" xmlns:r="http://schemas.openxmlformats.org/officeDocument/2006/relationships" xmlns:p="http://schemas.openxmlformats.org/presentationml/2006/main">
   <p:cSld>
     <p:spTree>

--- a/PPT/identity_and_access_management.pptx
+++ b/PPT/identity_and_access_management.pptx
@@ -7,7 +7,7 @@
   <p:sldIdLst>
     <p:sldId id="256" r:id="rId2"/>
     <p:sldId id="258" r:id="rId3"/>
-    <p:sldId id="257" r:id="rId4"/>
+    <p:sldId id="259" r:id="rId4"/>
   </p:sldIdLst>
   <p:sldSz cx="12192000" cy="6858000"/>
   <p:notesSz cx="6858000" cy="9144000"/>
@@ -263,7 +263,7 @@
           <a:p>
             <a:fld id="{7169126B-25BB-453C-88C4-9A149A838A69}" type="datetimeFigureOut">
               <a:rPr lang="en-IN" smtClean="0"/>
-              <a:t>24-08-2024</a:t>
+              <a:t>02-09-2024</a:t>
             </a:fld>
             <a:endParaRPr lang="en-IN"/>
           </a:p>
@@ -463,7 +463,7 @@
           <a:p>
             <a:fld id="{7169126B-25BB-453C-88C4-9A149A838A69}" type="datetimeFigureOut">
               <a:rPr lang="en-IN" smtClean="0"/>
-              <a:t>24-08-2024</a:t>
+              <a:t>02-09-2024</a:t>
             </a:fld>
             <a:endParaRPr lang="en-IN"/>
           </a:p>
@@ -673,7 +673,7 @@
           <a:p>
             <a:fld id="{7169126B-25BB-453C-88C4-9A149A838A69}" type="datetimeFigureOut">
               <a:rPr lang="en-IN" smtClean="0"/>
-              <a:t>24-08-2024</a:t>
+              <a:t>02-09-2024</a:t>
             </a:fld>
             <a:endParaRPr lang="en-IN"/>
           </a:p>
@@ -873,7 +873,7 @@
           <a:p>
             <a:fld id="{7169126B-25BB-453C-88C4-9A149A838A69}" type="datetimeFigureOut">
               <a:rPr lang="en-IN" smtClean="0"/>
-              <a:t>24-08-2024</a:t>
+              <a:t>02-09-2024</a:t>
             </a:fld>
             <a:endParaRPr lang="en-IN"/>
           </a:p>
@@ -1149,7 +1149,7 @@
           <a:p>
             <a:fld id="{7169126B-25BB-453C-88C4-9A149A838A69}" type="datetimeFigureOut">
               <a:rPr lang="en-IN" smtClean="0"/>
-              <a:t>24-08-2024</a:t>
+              <a:t>02-09-2024</a:t>
             </a:fld>
             <a:endParaRPr lang="en-IN"/>
           </a:p>
@@ -1417,7 +1417,7 @@
           <a:p>
             <a:fld id="{7169126B-25BB-453C-88C4-9A149A838A69}" type="datetimeFigureOut">
               <a:rPr lang="en-IN" smtClean="0"/>
-              <a:t>24-08-2024</a:t>
+              <a:t>02-09-2024</a:t>
             </a:fld>
             <a:endParaRPr lang="en-IN"/>
           </a:p>
@@ -1832,7 +1832,7 @@
           <a:p>
             <a:fld id="{7169126B-25BB-453C-88C4-9A149A838A69}" type="datetimeFigureOut">
               <a:rPr lang="en-IN" smtClean="0"/>
-              <a:t>24-08-2024</a:t>
+              <a:t>02-09-2024</a:t>
             </a:fld>
             <a:endParaRPr lang="en-IN"/>
           </a:p>
@@ -1974,7 +1974,7 @@
           <a:p>
             <a:fld id="{7169126B-25BB-453C-88C4-9A149A838A69}" type="datetimeFigureOut">
               <a:rPr lang="en-IN" smtClean="0"/>
-              <a:t>24-08-2024</a:t>
+              <a:t>02-09-2024</a:t>
             </a:fld>
             <a:endParaRPr lang="en-IN"/>
           </a:p>
@@ -2087,7 +2087,7 @@
           <a:p>
             <a:fld id="{7169126B-25BB-453C-88C4-9A149A838A69}" type="datetimeFigureOut">
               <a:rPr lang="en-IN" smtClean="0"/>
-              <a:t>24-08-2024</a:t>
+              <a:t>02-09-2024</a:t>
             </a:fld>
             <a:endParaRPr lang="en-IN"/>
           </a:p>
@@ -2400,7 +2400,7 @@
           <a:p>
             <a:fld id="{7169126B-25BB-453C-88C4-9A149A838A69}" type="datetimeFigureOut">
               <a:rPr lang="en-IN" smtClean="0"/>
-              <a:t>24-08-2024</a:t>
+              <a:t>02-09-2024</a:t>
             </a:fld>
             <a:endParaRPr lang="en-IN"/>
           </a:p>
@@ -2689,7 +2689,7 @@
           <a:p>
             <a:fld id="{7169126B-25BB-453C-88C4-9A149A838A69}" type="datetimeFigureOut">
               <a:rPr lang="en-IN" smtClean="0"/>
-              <a:t>24-08-2024</a:t>
+              <a:t>02-09-2024</a:t>
             </a:fld>
             <a:endParaRPr lang="en-IN"/>
           </a:p>
@@ -2932,7 +2932,7 @@
           <a:p>
             <a:fld id="{7169126B-25BB-453C-88C4-9A149A838A69}" type="datetimeFigureOut">
               <a:rPr lang="en-IN" smtClean="0"/>
-              <a:t>24-08-2024</a:t>
+              <a:t>02-09-2024</a:t>
             </a:fld>
             <a:endParaRPr lang="en-IN"/>
           </a:p>
@@ -3753,15 +3753,50 @@
           <a:p>
             <a:r>
               <a:rPr lang="en-IN" dirty="0"/>
-              <a:t>A Brief History</a:t>
-            </a:r>
-          </a:p>
-          <a:p>
-            <a:r>
-              <a:rPr lang="en-IN"/>
-              <a:t>Why Federation needed</a:t>
-            </a:r>
-            <a:endParaRPr lang="en-IN" dirty="0"/>
+              <a:t>Evolution of Identity Management</a:t>
+            </a:r>
+          </a:p>
+          <a:p>
+            <a:r>
+              <a:rPr lang="en-IN" dirty="0"/>
+              <a:t>Core Concepts and Terminology</a:t>
+            </a:r>
+          </a:p>
+          <a:p>
+            <a:r>
+              <a:rPr lang="en-IN" dirty="0"/>
+              <a:t>Introduction to Identity Federation</a:t>
+            </a:r>
+          </a:p>
+          <a:p>
+            <a:r>
+              <a:rPr lang="en-IN" dirty="0"/>
+              <a:t>Identity Federation in the Cloud</a:t>
+            </a:r>
+          </a:p>
+          <a:p>
+            <a:r>
+              <a:rPr lang="en-IN" dirty="0"/>
+              <a:t>Identity Federation Protocols</a:t>
+            </a:r>
+          </a:p>
+          <a:p>
+            <a:r>
+              <a:rPr lang="en-IN" dirty="0"/>
+              <a:t>Federation Architecture</a:t>
+            </a:r>
+          </a:p>
+          <a:p>
+            <a:r>
+              <a:rPr lang="en-IN" dirty="0"/>
+              <a:t>Implementing Identity Federation</a:t>
+            </a:r>
+          </a:p>
+          <a:p>
+            <a:r>
+              <a:rPr lang="en-IN" dirty="0"/>
+              <a:t>Conclusion</a:t>
+            </a:r>
           </a:p>
         </p:txBody>
       </p:sp>
@@ -3800,7 +3835,7 @@
           <p:cNvPr id="2" name="Title 1">
             <a:extLst>
               <a:ext uri="{FF2B5EF4-FFF2-40B4-BE49-F238E27FC236}">
-                <a16:creationId xmlns:a16="http://schemas.microsoft.com/office/drawing/2014/main" id="{D43D7984-8EA7-FBBC-19C8-DB558F7E0FE4}"/>
+                <a16:creationId xmlns:a16="http://schemas.microsoft.com/office/drawing/2014/main" id="{397750ED-6FA9-90EE-4156-6AF52105FC70}"/>
               </a:ext>
             </a:extLst>
           </p:cNvPr>
@@ -3818,7 +3853,7 @@
           <a:p>
             <a:r>
               <a:rPr lang="en-IN" dirty="0"/>
-              <a:t>Identity Federation</a:t>
+              <a:t>Evolution of Identity Management</a:t>
             </a:r>
           </a:p>
         </p:txBody>
@@ -3828,7 +3863,7 @@
           <p:cNvPr id="3" name="Content Placeholder 2">
             <a:extLst>
               <a:ext uri="{FF2B5EF4-FFF2-40B4-BE49-F238E27FC236}">
-                <a16:creationId xmlns:a16="http://schemas.microsoft.com/office/drawing/2014/main" id="{7CB69776-6F89-0282-8371-F09433396D0B}"/>
+                <a16:creationId xmlns:a16="http://schemas.microsoft.com/office/drawing/2014/main" id="{DB8CA3EB-B9E3-115E-64EB-8FDFE1CB8E58}"/>
               </a:ext>
             </a:extLst>
           </p:cNvPr>
@@ -3844,14 +3879,14 @@
           <a:bodyPr/>
           <a:lstStyle/>
           <a:p>
-            <a:endParaRPr lang="en-IN" dirty="0"/>
+            <a:endParaRPr lang="en-IN"/>
           </a:p>
         </p:txBody>
       </p:sp>
     </p:spTree>
     <p:extLst>
       <p:ext uri="{BB962C8B-B14F-4D97-AF65-F5344CB8AC3E}">
-        <p14:creationId xmlns:p14="http://schemas.microsoft.com/office/powerpoint/2010/main" val="2636873148"/>
+        <p14:creationId xmlns:p14="http://schemas.microsoft.com/office/powerpoint/2010/main" val="3353448024"/>
       </p:ext>
     </p:extLst>
   </p:cSld>
